--- a/reports/Capstone 2 Project Presentation.pptx
+++ b/reports/Capstone 2 Project Presentation.pptx
@@ -7476,12 +7476,12 @@
   </dgm:ptLst>
   <dgm:cxnLst>
     <dgm:cxn modelId="{B4FF8238-7C2C-4EB6-AA6D-375A7011CBD7}" srcId="{FDFAA2C2-3D1A-4870-900F-8E1F073D9AA7}" destId="{6BB67B07-68B7-497C-A9AF-A86FC6172152}" srcOrd="1" destOrd="0" parTransId="{2632C300-26E2-4E90-B1B5-D6A9C7D84C4B}" sibTransId="{028E69C0-1BB2-4FFC-9AF6-A27EB19F21AE}"/>
-    <dgm:cxn modelId="{04700D64-4C79-4B7A-8193-5B597C481B36}" type="presOf" srcId="{6BB67B07-68B7-497C-A9AF-A86FC6172152}" destId="{E776635E-24EF-4173-A792-5266F21067C5}" srcOrd="0" destOrd="0" presId="urn:microsoft.com/office/officeart/2018/2/layout/IconCircleList"/>
     <dgm:cxn modelId="{070D274A-D9AE-4D3F-B414-143A93EC216F}" srcId="{FDFAA2C2-3D1A-4870-900F-8E1F073D9AA7}" destId="{36DC7CD4-A3AB-41D4-9A4D-D94945626300}" srcOrd="3" destOrd="0" parTransId="{60826090-27F3-41B4-B95A-9CD9D3943F2F}" sibTransId="{4E27D8E7-17CA-4D38-A07E-7D5C16A56A95}"/>
     <dgm:cxn modelId="{81CA504B-CF66-4289-9FEF-E28B2CC5F456}" type="presOf" srcId="{E4DFF0A3-CEF3-402A-B1D0-E9219F25A42E}" destId="{F12DDAF0-E559-4B53-A413-FEA10B42DF71}" srcOrd="0" destOrd="0" presId="urn:microsoft.com/office/officeart/2018/2/layout/IconCircleList"/>
-    <dgm:cxn modelId="{CC718F6C-ABA4-4657-80E2-808FAB598114}" type="presOf" srcId="{7B44867A-4B28-491A-ADDD-46AE0529144C}" destId="{25ACB54E-D7D8-43E9-AC2F-70CD027434D5}" srcOrd="0" destOrd="0" presId="urn:microsoft.com/office/officeart/2018/2/layout/IconCircleList"/>
     <dgm:cxn modelId="{13AB6254-4849-4C6E-A1A9-6DE6B5DECFBC}" srcId="{FDFAA2C2-3D1A-4870-900F-8E1F073D9AA7}" destId="{7B44867A-4B28-491A-ADDD-46AE0529144C}" srcOrd="2" destOrd="0" parTransId="{6AD45CCF-3D73-4593-A08C-EC809415E9E3}" sibTransId="{E4DFF0A3-CEF3-402A-B1D0-E9219F25A42E}"/>
     <dgm:cxn modelId="{529ACD59-065C-4496-BCAF-23FE03D8F30A}" type="presOf" srcId="{028E69C0-1BB2-4FFC-9AF6-A27EB19F21AE}" destId="{753A82AA-B933-45B0-9EAC-E59D308B0AD2}" srcOrd="0" destOrd="0" presId="urn:microsoft.com/office/officeart/2018/2/layout/IconCircleList"/>
+    <dgm:cxn modelId="{04700D64-4C79-4B7A-8193-5B597C481B36}" type="presOf" srcId="{6BB67B07-68B7-497C-A9AF-A86FC6172152}" destId="{E776635E-24EF-4173-A792-5266F21067C5}" srcOrd="0" destOrd="0" presId="urn:microsoft.com/office/officeart/2018/2/layout/IconCircleList"/>
+    <dgm:cxn modelId="{CC718F6C-ABA4-4657-80E2-808FAB598114}" type="presOf" srcId="{7B44867A-4B28-491A-ADDD-46AE0529144C}" destId="{25ACB54E-D7D8-43E9-AC2F-70CD027434D5}" srcOrd="0" destOrd="0" presId="urn:microsoft.com/office/officeart/2018/2/layout/IconCircleList"/>
     <dgm:cxn modelId="{D7814F83-B06C-424B-AB00-1E6274B0A6A4}" type="presOf" srcId="{3E6E80FA-9F5B-4411-9E83-1AC9E3230C00}" destId="{4A4BD744-97B9-42C6-82AB-1CA79E849CF2}" srcOrd="0" destOrd="0" presId="urn:microsoft.com/office/officeart/2018/2/layout/IconCircleList"/>
     <dgm:cxn modelId="{77A41EA3-817B-409A-9510-5E7F78D56335}" type="presOf" srcId="{980A8D8E-CC65-49F3-BD61-57717E7EA328}" destId="{AA537326-3465-4DC1-8925-8EEF34B9872A}" srcOrd="0" destOrd="0" presId="urn:microsoft.com/office/officeart/2018/2/layout/IconCircleList"/>
     <dgm:cxn modelId="{FB97C2C3-112B-4049-A839-1F4D55279E70}" type="presOf" srcId="{36DC7CD4-A3AB-41D4-9A4D-D94945626300}" destId="{4159805B-8735-4983-8F25-1EE4B8955722}" srcOrd="0" destOrd="0" presId="urn:microsoft.com/office/officeart/2018/2/layout/IconCircleList"/>
@@ -7744,8 +7744,8 @@
     <dgm:cxn modelId="{A844CC16-4DC0-4850-ADC8-7B89A0622F67}" srcId="{694B4367-30C4-43B3-BD20-1B848DE701F1}" destId="{B8D0B25C-C101-41D8-93B8-084735A44379}" srcOrd="1" destOrd="0" parTransId="{52754913-2A75-4702-A43B-5AFE999D149A}" sibTransId="{7BDA4644-6E97-4F6D-AFFC-65DFDB7745B7}"/>
     <dgm:cxn modelId="{7D211C30-EFD6-46C3-8E3E-609BAB56BE33}" type="presOf" srcId="{B8D0B25C-C101-41D8-93B8-084735A44379}" destId="{982C9366-C174-43A4-B831-C185BD14A5A6}" srcOrd="0" destOrd="0" presId="urn:microsoft.com/office/officeart/2005/8/layout/vProcess5"/>
     <dgm:cxn modelId="{BC71E547-2100-43CF-A641-75B1FB5EAE9D}" type="presOf" srcId="{7D82865A-84A7-44B1-91A9-CAC7CB5B6706}" destId="{74D0CBA8-0AD4-4EB8-971D-8F831BAF3718}" srcOrd="1" destOrd="0" presId="urn:microsoft.com/office/officeart/2005/8/layout/vProcess5"/>
+    <dgm:cxn modelId="{E8847D59-2420-4C5B-99E5-6D8A649B7FD8}" type="presOf" srcId="{E5987038-E137-4FD8-A3EF-B4C551C4537A}" destId="{9A239674-E629-424F-984A-C2446EAC2947}" srcOrd="0" destOrd="0" presId="urn:microsoft.com/office/officeart/2005/8/layout/vProcess5"/>
     <dgm:cxn modelId="{63EB2B6C-B514-46A9-A9E7-85676DB51112}" srcId="{694B4367-30C4-43B3-BD20-1B848DE701F1}" destId="{7D82865A-84A7-44B1-91A9-CAC7CB5B6706}" srcOrd="2" destOrd="0" parTransId="{17F916D6-B2C0-4B94-856E-52A3636B1A1C}" sibTransId="{35CCDAB0-A336-4F95-868D-DC66F889D9EC}"/>
-    <dgm:cxn modelId="{E8847D59-2420-4C5B-99E5-6D8A649B7FD8}" type="presOf" srcId="{E5987038-E137-4FD8-A3EF-B4C551C4537A}" destId="{9A239674-E629-424F-984A-C2446EAC2947}" srcOrd="0" destOrd="0" presId="urn:microsoft.com/office/officeart/2005/8/layout/vProcess5"/>
     <dgm:cxn modelId="{0346CD9E-74D9-4B97-B5F9-BC6B1CB7F931}" type="presOf" srcId="{B8D0B25C-C101-41D8-93B8-084735A44379}" destId="{8D24A1B0-1081-4E4F-9154-FC9DCDB1E0B4}" srcOrd="1" destOrd="0" presId="urn:microsoft.com/office/officeart/2005/8/layout/vProcess5"/>
     <dgm:cxn modelId="{AE7507A0-9117-45F1-B806-9D5B7BCCE4FB}" type="presOf" srcId="{7D82865A-84A7-44B1-91A9-CAC7CB5B6706}" destId="{875D9734-65C0-4587-A62B-825DF6507562}" srcOrd="0" destOrd="0" presId="urn:microsoft.com/office/officeart/2005/8/layout/vProcess5"/>
     <dgm:cxn modelId="{3185B3DC-6553-4CE2-8C7A-E534DE9A04E5}" type="presOf" srcId="{1B3FA90B-0901-45DC-B0E6-E2568D64A062}" destId="{89C367AE-D97B-4CF8-9857-DB1D31FF9BA7}" srcOrd="1" destOrd="0" presId="urn:microsoft.com/office/officeart/2005/8/layout/vProcess5"/>
@@ -7923,7 +7923,7 @@
             </a:lnSpc>
           </a:pPr>
           <a:r>
-            <a:rPr lang="en-US"/>
+            <a:rPr lang="en-US" dirty="0"/>
             <a:t>Splitting blood pressure into Systolic &amp; Diastolic.</a:t>
           </a:r>
         </a:p>
@@ -7941,47 +7941,6 @@
       </dgm:t>
     </dgm:pt>
     <dgm:pt modelId="{C15450FC-0D3A-462C-99EB-8178271FC6DB}" type="sibTrans" cxnId="{2B8CB961-23D0-47FF-B325-370EBA4B71CF}">
-      <dgm:prSet/>
-      <dgm:spPr/>
-      <dgm:t>
-        <a:bodyPr/>
-        <a:lstStyle/>
-        <a:p>
-          <a:endParaRPr lang="en-US"/>
-        </a:p>
-      </dgm:t>
-    </dgm:pt>
-    <dgm:pt modelId="{5FB4961D-19F6-43F5-BF58-4CA41B50C027}">
-      <dgm:prSet/>
-      <dgm:spPr/>
-      <dgm:t>
-        <a:bodyPr/>
-        <a:lstStyle/>
-        <a:p>
-          <a:pPr>
-            <a:lnSpc>
-              <a:spcPct val="100000"/>
-            </a:lnSpc>
-          </a:pPr>
-          <a:r>
-            <a:rPr lang="en-US"/>
-            <a:t>Encoding categorical features (Sex, Diet, Country, Continent, Hemisphere).</a:t>
-          </a:r>
-        </a:p>
-      </dgm:t>
-    </dgm:pt>
-    <dgm:pt modelId="{D877B262-895C-43AD-923B-47EB99458BCF}" type="parTrans" cxnId="{781F59E8-A3AB-4F7F-9D4C-2EEE5B7D6439}">
-      <dgm:prSet/>
-      <dgm:spPr/>
-      <dgm:t>
-        <a:bodyPr/>
-        <a:lstStyle/>
-        <a:p>
-          <a:endParaRPr lang="en-US"/>
-        </a:p>
-      </dgm:t>
-    </dgm:pt>
-    <dgm:pt modelId="{0A64E1D0-D041-4E9D-A17F-99F20FD07535}" type="sibTrans" cxnId="{781F59E8-A3AB-4F7F-9D4C-2EEE5B7D6439}">
       <dgm:prSet/>
       <dgm:spPr/>
       <dgm:t>
@@ -8208,15 +8167,13 @@
     <dgm:cxn modelId="{2CCFD505-9CB9-430E-B4DD-64E3FF8C0558}" srcId="{FB303E6F-762F-458B-88BE-FAED3A8F6BFA}" destId="{60F2922E-3B3F-456D-8C8C-3B13D7F447DF}" srcOrd="0" destOrd="0" parTransId="{F2D121A1-76FF-4E92-8928-E3B0CB17D48F}" sibTransId="{E7996F14-CCA5-4357-992A-F48AB56A1D10}"/>
     <dgm:cxn modelId="{FE06BA09-E0CC-474E-981C-C194AFD621C8}" srcId="{40E7A7FE-4531-441D-B606-5DDD1D173DE2}" destId="{A035E140-B54C-44CC-8FF6-940D3B389F67}" srcOrd="0" destOrd="0" parTransId="{7030BFBF-9106-42FA-80F4-E148A56E6D40}" sibTransId="{802B6988-FF27-436E-A6C6-4650C8BE7A49}"/>
     <dgm:cxn modelId="{380A7E25-100A-4BC9-9EDA-3D63864102DF}" srcId="{FB303E6F-762F-458B-88BE-FAED3A8F6BFA}" destId="{DFF70705-04FE-413A-98D9-1AD3F56CD35A}" srcOrd="2" destOrd="0" parTransId="{5B2DE1A8-454E-4B40-BBBE-9E98AB1EAAFA}" sibTransId="{ED042BA1-BAAA-4D3C-BC40-521F1092AEBB}"/>
-    <dgm:cxn modelId="{2B8CB961-23D0-47FF-B325-370EBA4B71CF}" srcId="{40E7A7FE-4531-441D-B606-5DDD1D173DE2}" destId="{24D392B9-9B2E-407C-AA79-2600F97FED30}" srcOrd="1" destOrd="0" parTransId="{5A1C462E-A582-465D-AF6B-681F01268376}" sibTransId="{C15450FC-0D3A-462C-99EB-8178271FC6DB}"/>
     <dgm:cxn modelId="{F6B8454B-0539-4662-8BA0-F572D412C5A8}" type="presOf" srcId="{DFF70705-04FE-413A-98D9-1AD3F56CD35A}" destId="{80275E02-F7EE-456B-963E-600F08CA1E01}" srcOrd="0" destOrd="0" presId="urn:microsoft.com/office/officeart/2018/2/layout/IconVerticalSolidList"/>
     <dgm:cxn modelId="{D5F9BE4E-9924-4628-85E1-5E79C0989A3C}" type="presOf" srcId="{24D392B9-9B2E-407C-AA79-2600F97FED30}" destId="{2E43D20B-99EF-4C85-B879-7A49C10718C9}" srcOrd="0" destOrd="1" presId="urn:microsoft.com/office/officeart/2018/2/layout/IconVerticalSolidList"/>
+    <dgm:cxn modelId="{2B8CB961-23D0-47FF-B325-370EBA4B71CF}" srcId="{40E7A7FE-4531-441D-B606-5DDD1D173DE2}" destId="{24D392B9-9B2E-407C-AA79-2600F97FED30}" srcOrd="1" destOrd="0" parTransId="{5A1C462E-A582-465D-AF6B-681F01268376}" sibTransId="{C15450FC-0D3A-462C-99EB-8178271FC6DB}"/>
     <dgm:cxn modelId="{FAED5677-762A-4594-B4C3-DF9D0182A9D5}" type="presOf" srcId="{40E7A7FE-4531-441D-B606-5DDD1D173DE2}" destId="{289249C7-5000-46C4-BED2-5C1AC9425950}" srcOrd="0" destOrd="0" presId="urn:microsoft.com/office/officeart/2018/2/layout/IconVerticalSolidList"/>
     <dgm:cxn modelId="{49820B78-59F6-4E53-A31E-59B7C0235A73}" type="presOf" srcId="{FB303E6F-762F-458B-88BE-FAED3A8F6BFA}" destId="{5F46D991-9BA4-4CE3-A03E-33036750042F}" srcOrd="0" destOrd="0" presId="urn:microsoft.com/office/officeart/2018/2/layout/IconVerticalSolidList"/>
     <dgm:cxn modelId="{7885F3A4-5AAA-4D57-8AEB-572465F84DF2}" type="presOf" srcId="{60F2922E-3B3F-456D-8C8C-3B13D7F447DF}" destId="{ACB2FC98-25EA-4F59-A333-59A185CAB404}" srcOrd="0" destOrd="0" presId="urn:microsoft.com/office/officeart/2018/2/layout/IconVerticalSolidList"/>
-    <dgm:cxn modelId="{010FD3C2-34E0-4145-8ADB-D7ED8313ADB0}" type="presOf" srcId="{5FB4961D-19F6-43F5-BF58-4CA41B50C027}" destId="{2E43D20B-99EF-4C85-B879-7A49C10718C9}" srcOrd="0" destOrd="2" presId="urn:microsoft.com/office/officeart/2018/2/layout/IconVerticalSolidList"/>
     <dgm:cxn modelId="{D0ADEAC3-5292-4F91-8FAD-A7D24C58F96B}" srcId="{FB303E6F-762F-458B-88BE-FAED3A8F6BFA}" destId="{40E7A7FE-4531-441D-B606-5DDD1D173DE2}" srcOrd="1" destOrd="0" parTransId="{E41813CA-D27B-4156-9F38-474FB2882B6D}" sibTransId="{DE084416-E9C8-42A9-995A-70EC293A5B36}"/>
-    <dgm:cxn modelId="{781F59E8-A3AB-4F7F-9D4C-2EEE5B7D6439}" srcId="{40E7A7FE-4531-441D-B606-5DDD1D173DE2}" destId="{5FB4961D-19F6-43F5-BF58-4CA41B50C027}" srcOrd="2" destOrd="0" parTransId="{D877B262-895C-43AD-923B-47EB99458BCF}" sibTransId="{0A64E1D0-D041-4E9D-A17F-99F20FD07535}"/>
     <dgm:cxn modelId="{FC3EE3EA-8FA2-4192-8820-E18C12C705A2}" type="presOf" srcId="{A035E140-B54C-44CC-8FF6-940D3B389F67}" destId="{2E43D20B-99EF-4C85-B879-7A49C10718C9}" srcOrd="0" destOrd="0" presId="urn:microsoft.com/office/officeart/2018/2/layout/IconVerticalSolidList"/>
     <dgm:cxn modelId="{75DAEA69-A13E-4407-9A7F-ED0F98BA3F39}" type="presParOf" srcId="{5F46D991-9BA4-4CE3-A03E-33036750042F}" destId="{6EEBFA0E-8FC1-4DA0-A829-BC7C8E775CA8}" srcOrd="0" destOrd="0" presId="urn:microsoft.com/office/officeart/2018/2/layout/IconVerticalSolidList"/>
     <dgm:cxn modelId="{864F8B66-3743-4543-BA17-8EF5B24D0773}" type="presParOf" srcId="{6EEBFA0E-8FC1-4DA0-A829-BC7C8E775CA8}" destId="{D01F9A09-5F37-4699-B401-0E29EEB47D7F}" srcOrd="0" destOrd="0" presId="urn:microsoft.com/office/officeart/2018/2/layout/IconVerticalSolidList"/>
@@ -8746,11 +8703,11 @@
   <dgm:cxnLst>
     <dgm:cxn modelId="{81B91911-5FE8-48B5-864C-4E5EAC909518}" type="presOf" srcId="{5CC730C3-B5CD-4E48-8244-D13CDDA0E940}" destId="{9681BEFE-23CD-402E-B52C-23BC364DD670}" srcOrd="0" destOrd="0" presId="urn:microsoft.com/office/officeart/2018/2/layout/IconVerticalSolidList"/>
     <dgm:cxn modelId="{40AA2B22-7B2C-43A7-9A17-E44F9F94A05A}" srcId="{301B245B-47B1-414E-BCFF-3AE958AEF264}" destId="{5CC730C3-B5CD-4E48-8244-D13CDDA0E940}" srcOrd="0" destOrd="0" parTransId="{FCF4189A-756B-4D11-98CF-922929DEEFE2}" sibTransId="{9F559D63-C56E-4422-AE83-319E407295D7}"/>
+    <dgm:cxn modelId="{D673AC51-AA3D-4915-A3A9-6CB8B729FD82}" srcId="{301B245B-47B1-414E-BCFF-3AE958AEF264}" destId="{3E35ED8A-9D21-4C54-9EFA-9E4DFE7C2D5B}" srcOrd="2" destOrd="0" parTransId="{A2219EF5-4196-4C79-BFD9-A801CFD4FFED}" sibTransId="{F5ACD120-0F1E-4A21-9705-6B6CB9C7F5E0}"/>
+    <dgm:cxn modelId="{2A19A05A-E765-4F3A-AB80-5E7ABB8F991F}" type="presOf" srcId="{21AAAA5D-D132-4F07-AC07-BE6E676BFB37}" destId="{15508142-A8BA-46F0-9AD4-28B76B5188FF}" srcOrd="0" destOrd="0" presId="urn:microsoft.com/office/officeart/2018/2/layout/IconVerticalSolidList"/>
     <dgm:cxn modelId="{26BA0465-6874-4583-A094-39E22F925EFD}" srcId="{3E35ED8A-9D21-4C54-9EFA-9E4DFE7C2D5B}" destId="{C1B5A026-2B80-44A8-B54F-9F0A0B35F55F}" srcOrd="0" destOrd="0" parTransId="{CEC898B6-50EA-4DC1-AA12-68BF1A8FCBCA}" sibTransId="{60239471-7E3A-4C03-8E38-7C6B282198FD}"/>
     <dgm:cxn modelId="{BD58A666-D6B6-4E39-A094-1302D628A563}" type="presOf" srcId="{8698882A-9452-445E-ACEC-5DF4FCF4151B}" destId="{15508142-A8BA-46F0-9AD4-28B76B5188FF}" srcOrd="0" destOrd="1" presId="urn:microsoft.com/office/officeart/2018/2/layout/IconVerticalSolidList"/>
-    <dgm:cxn modelId="{D673AC51-AA3D-4915-A3A9-6CB8B729FD82}" srcId="{301B245B-47B1-414E-BCFF-3AE958AEF264}" destId="{3E35ED8A-9D21-4C54-9EFA-9E4DFE7C2D5B}" srcOrd="2" destOrd="0" parTransId="{A2219EF5-4196-4C79-BFD9-A801CFD4FFED}" sibTransId="{F5ACD120-0F1E-4A21-9705-6B6CB9C7F5E0}"/>
     <dgm:cxn modelId="{58012176-9B05-4D6E-8523-AED64106A4AD}" type="presOf" srcId="{F7180370-3912-47E6-9CA3-9854B54621EA}" destId="{1C45BDBD-1B35-4BDA-AF1A-22DD33035FC8}" srcOrd="0" destOrd="0" presId="urn:microsoft.com/office/officeart/2018/2/layout/IconVerticalSolidList"/>
-    <dgm:cxn modelId="{2A19A05A-E765-4F3A-AB80-5E7ABB8F991F}" type="presOf" srcId="{21AAAA5D-D132-4F07-AC07-BE6E676BFB37}" destId="{15508142-A8BA-46F0-9AD4-28B76B5188FF}" srcOrd="0" destOrd="0" presId="urn:microsoft.com/office/officeart/2018/2/layout/IconVerticalSolidList"/>
     <dgm:cxn modelId="{72DE58A8-B3BE-4E69-836F-7CF34B4DD33F}" srcId="{301B245B-47B1-414E-BCFF-3AE958AEF264}" destId="{F7180370-3912-47E6-9CA3-9854B54621EA}" srcOrd="1" destOrd="0" parTransId="{248EF243-3AE9-433E-8B24-E6F4FBB1B0C7}" sibTransId="{22B537C5-FC47-45E5-8D7D-C81DEF5CB593}"/>
     <dgm:cxn modelId="{29E4EEA8-0864-410B-9B2D-892E41EF5D7D}" srcId="{F7180370-3912-47E6-9CA3-9854B54621EA}" destId="{8698882A-9452-445E-ACEC-5DF4FCF4151B}" srcOrd="1" destOrd="0" parTransId="{0BC7D4B9-965F-40D0-980F-903E6CA27D85}" sibTransId="{A9D3B4D6-4C4A-4BF6-A585-1201C7016589}"/>
     <dgm:cxn modelId="{281326B7-F4F3-4D5A-84D2-E470E61E7B92}" type="presOf" srcId="{301B245B-47B1-414E-BCFF-3AE958AEF264}" destId="{D6BA5844-A333-4130-9E46-E7E2DC96A7E9}" srcOrd="0" destOrd="0" presId="urn:microsoft.com/office/officeart/2018/2/layout/IconVerticalSolidList"/>
@@ -9196,9 +9153,9 @@
     <dgm:cxn modelId="{71000135-71D6-4773-B2B1-9C49DEFC28AD}" srcId="{CC12C1FF-E603-4908-A021-9D2652115E72}" destId="{C4B7232E-D741-4B3A-BAB8-600FEF706519}" srcOrd="1" destOrd="0" parTransId="{5C6BD163-0D51-4C34-AADA-A334F5C43E70}" sibTransId="{15B36210-5EBD-4FE3-81FF-9411D3A9F441}"/>
     <dgm:cxn modelId="{9A715038-E933-4C62-81A4-CE496F697F42}" srcId="{CC12C1FF-E603-4908-A021-9D2652115E72}" destId="{F45A0892-2181-4142-B5D1-11F14C54B7DD}" srcOrd="3" destOrd="0" parTransId="{045FE6DA-6483-4D60-8ED6-F8F521646DF5}" sibTransId="{16E13CB6-0BB7-4778-B633-0E75E7A8AEC9}"/>
     <dgm:cxn modelId="{00171156-5C5B-471B-A715-E17F55BE8EBA}" type="presOf" srcId="{4C4E1CC2-1990-43F5-B387-CC2B517D13DA}" destId="{1AB0E2C5-7D35-46C5-A9F9-F461516CF01B}" srcOrd="0" destOrd="0" presId="urn:microsoft.com/office/officeart/2018/5/layout/CenteredIconLabelDescriptionList"/>
-    <dgm:cxn modelId="{7C38F276-1963-4AB6-B15E-5767D5587ACF}" type="presOf" srcId="{CC12C1FF-E603-4908-A021-9D2652115E72}" destId="{578132A5-D77B-4AA9-830B-0EC443A098C8}" srcOrd="0" destOrd="0" presId="urn:microsoft.com/office/officeart/2018/5/layout/CenteredIconLabelDescriptionList"/>
     <dgm:cxn modelId="{A7930D57-5C23-4DCC-A3E6-3723FB022E2D}" srcId="{AD247F85-CBDE-4AF6-9387-38EA7EB6D9B6}" destId="{C82D1E70-BD9F-415F-AEE5-A7A2E9FD171F}" srcOrd="1" destOrd="0" parTransId="{06EE5BB4-34C8-4FA0-A956-B95B2390926B}" sibTransId="{120C5FC0-577F-4D69-A428-2F800DA9B11A}"/>
     <dgm:cxn modelId="{5A6DA559-A823-4423-A79A-FFF5988741F7}" srcId="{CC12C1FF-E603-4908-A021-9D2652115E72}" destId="{4C4E1CC2-1990-43F5-B387-CC2B517D13DA}" srcOrd="0" destOrd="0" parTransId="{0F844E05-5710-4942-800B-FEF5257D4575}" sibTransId="{0ADF4898-3F87-403C-A403-30F002637582}"/>
+    <dgm:cxn modelId="{7C38F276-1963-4AB6-B15E-5767D5587ACF}" type="presOf" srcId="{CC12C1FF-E603-4908-A021-9D2652115E72}" destId="{578132A5-D77B-4AA9-830B-0EC443A098C8}" srcOrd="0" destOrd="0" presId="urn:microsoft.com/office/officeart/2018/5/layout/CenteredIconLabelDescriptionList"/>
     <dgm:cxn modelId="{4848CA7D-81EE-4467-9BB3-C9CE0851C4FE}" srcId="{CC12C1FF-E603-4908-A021-9D2652115E72}" destId="{F1DF4F41-6112-434B-AF20-F49757C78C43}" srcOrd="2" destOrd="0" parTransId="{D4249CFA-9AAA-43B2-A538-222BC679EB5A}" sibTransId="{DC52B07C-A4E0-4B41-9FAC-0F47A04AD175}"/>
     <dgm:cxn modelId="{C0A913A3-CA3A-4F33-B90A-6B4392BC934B}" srcId="{CC12C1FF-E603-4908-A021-9D2652115E72}" destId="{53FD5060-5781-4403-B316-F8DF277455A9}" srcOrd="4" destOrd="0" parTransId="{1EB2D28C-2895-44C0-953D-77C8A3DC1B8E}" sibTransId="{8BFC285F-156A-484C-B44C-FAC8D776B784}"/>
     <dgm:cxn modelId="{34E4DBBA-B94A-487A-8DEB-43630D7347AB}" type="presOf" srcId="{AD247F85-CBDE-4AF6-9387-38EA7EB6D9B6}" destId="{3B54E642-A8A7-4890-A89C-07BB6116C53D}" srcOrd="0" destOrd="0" presId="urn:microsoft.com/office/officeart/2018/5/layout/CenteredIconLabelDescriptionList"/>
@@ -9807,8 +9764,8 @@
     <dgm:cxn modelId="{C3E5F901-27F9-4D60-9F0B-063D28696DD5}" type="presOf" srcId="{A6C54302-A4A9-4FD2-B6B1-AFC1FE80630A}" destId="{3CF458BD-B637-4758-B23E-44DDE6329179}" srcOrd="0" destOrd="0" presId="urn:microsoft.com/office/officeart/2018/2/layout/IconVerticalSolidList"/>
     <dgm:cxn modelId="{858C6E14-AAB9-4902-B1EF-E591A84BD2A2}" type="presOf" srcId="{39E8192C-C086-4EB2-A8B0-89AE1D1019FA}" destId="{DB925323-496D-4E03-8D85-695A7F1CE6F6}" srcOrd="0" destOrd="0" presId="urn:microsoft.com/office/officeart/2018/2/layout/IconVerticalSolidList"/>
     <dgm:cxn modelId="{82CBBF29-07C2-460D-8AF5-2D782E72B3A0}" type="presOf" srcId="{33781A47-1A72-4B9F-A093-3E1B506D852E}" destId="{C5168864-BA31-4B71-9E14-54EC23F11FBE}" srcOrd="0" destOrd="0" presId="urn:microsoft.com/office/officeart/2018/2/layout/IconVerticalSolidList"/>
+    <dgm:cxn modelId="{12CE8A47-5CB9-4A94-8A66-51C2CF6660B9}" srcId="{692DC92D-58EF-49C3-9D18-1F68266B3E17}" destId="{552ABC9D-4616-4927-BA72-BBE2F1DF6C48}" srcOrd="0" destOrd="0" parTransId="{CE9084CA-6840-40B2-8142-45EC8B05F58D}" sibTransId="{8AC2179B-DEFA-432D-950E-B091085C8A9C}"/>
     <dgm:cxn modelId="{8BB74967-D44C-43C4-9CD4-68EBA61B8A8C}" type="presOf" srcId="{692DC92D-58EF-49C3-9D18-1F68266B3E17}" destId="{5BB75AFA-0436-48A2-B3C7-9720B4C70DBD}" srcOrd="0" destOrd="0" presId="urn:microsoft.com/office/officeart/2018/2/layout/IconVerticalSolidList"/>
-    <dgm:cxn modelId="{12CE8A47-5CB9-4A94-8A66-51C2CF6660B9}" srcId="{692DC92D-58EF-49C3-9D18-1F68266B3E17}" destId="{552ABC9D-4616-4927-BA72-BBE2F1DF6C48}" srcOrd="0" destOrd="0" parTransId="{CE9084CA-6840-40B2-8142-45EC8B05F58D}" sibTransId="{8AC2179B-DEFA-432D-950E-B091085C8A9C}"/>
     <dgm:cxn modelId="{57CA359B-27D8-45C9-9529-9C5E59D93AED}" srcId="{33781A47-1A72-4B9F-A093-3E1B506D852E}" destId="{692DC92D-58EF-49C3-9D18-1F68266B3E17}" srcOrd="1" destOrd="0" parTransId="{FF4A12F5-5F16-49B3-91A3-B20968CE6231}" sibTransId="{D99E4B03-0193-4A16-86E1-C8DEE86D6737}"/>
     <dgm:cxn modelId="{60F653C4-CF2B-42FE-94AC-6E99E71960C1}" srcId="{33781A47-1A72-4B9F-A093-3E1B506D852E}" destId="{A6C54302-A4A9-4FD2-B6B1-AFC1FE80630A}" srcOrd="2" destOrd="0" parTransId="{D4B540B5-4E4D-46ED-A2C6-4177646582E3}" sibTransId="{ED9143CF-7305-4DCF-B775-3B072DD3FDD1}"/>
     <dgm:cxn modelId="{E8396ACA-D324-4D9A-BE89-5DAACDB2085C}" srcId="{33781A47-1A72-4B9F-A093-3E1B506D852E}" destId="{39E8192C-C086-4EB2-A8B0-89AE1D1019FA}" srcOrd="0" destOrd="0" parTransId="{27DDA93C-DA5D-4F25-9CD9-EA27A90C42BE}" sibTransId="{49804C16-66A0-4820-AD8C-C0B6DD5E939C}"/>
@@ -11191,8 +11148,8 @@
       </dsp:nvSpPr>
       <dsp:spPr>
         <a:xfrm>
-          <a:off x="0" y="3038"/>
-          <a:ext cx="6628804" cy="1421001"/>
+          <a:off x="0" y="607"/>
+          <a:ext cx="6628804" cy="1422390"/>
         </a:xfrm>
         <a:prstGeom prst="roundRect">
           <a:avLst>
@@ -11233,8 +11190,8 @@
       </dsp:nvSpPr>
       <dsp:spPr>
         <a:xfrm>
-          <a:off x="429852" y="322763"/>
-          <a:ext cx="781550" cy="781550"/>
+          <a:off x="430272" y="320645"/>
+          <a:ext cx="782314" cy="782314"/>
         </a:xfrm>
         <a:prstGeom prst="rect">
           <a:avLst/>
@@ -11282,8 +11239,8 @@
       </dsp:nvSpPr>
       <dsp:spPr>
         <a:xfrm>
-          <a:off x="1641256" y="3038"/>
-          <a:ext cx="4985943" cy="1421001"/>
+          <a:off x="1642860" y="607"/>
+          <a:ext cx="4985943" cy="1422390"/>
         </a:xfrm>
         <a:prstGeom prst="rect">
           <a:avLst/>
@@ -11307,7 +11264,7 @@
         <a:fontRef idx="minor"/>
       </dsp:style>
       <dsp:txBody>
-        <a:bodyPr spcFirstLastPara="0" vert="horz" wrap="square" lIns="150389" tIns="150389" rIns="150389" bIns="150389" numCol="1" spcCol="1270" anchor="ctr" anchorCtr="0">
+        <a:bodyPr spcFirstLastPara="0" vert="horz" wrap="square" lIns="150536" tIns="150536" rIns="150536" bIns="150536" numCol="1" spcCol="1270" anchor="ctr" anchorCtr="0">
           <a:noAutofit/>
         </a:bodyPr>
         <a:lstStyle/>
@@ -11331,8 +11288,8 @@
         </a:p>
       </dsp:txBody>
       <dsp:txXfrm>
-        <a:off x="1641256" y="3038"/>
-        <a:ext cx="4985943" cy="1421001"/>
+        <a:off x="1642860" y="607"/>
+        <a:ext cx="4985943" cy="1422390"/>
       </dsp:txXfrm>
     </dsp:sp>
     <dsp:sp modelId="{AD4996B5-2D99-421E-86EC-1AF7C9BF4197}">
@@ -11342,8 +11299,8 @@
       </dsp:nvSpPr>
       <dsp:spPr>
         <a:xfrm>
-          <a:off x="0" y="1779289"/>
-          <a:ext cx="6628804" cy="1421001"/>
+          <a:off x="0" y="1778595"/>
+          <a:ext cx="6628804" cy="1422390"/>
         </a:xfrm>
         <a:prstGeom prst="roundRect">
           <a:avLst>
@@ -11384,8 +11341,8 @@
       </dsp:nvSpPr>
       <dsp:spPr>
         <a:xfrm>
-          <a:off x="429852" y="2099015"/>
-          <a:ext cx="781550" cy="781550"/>
+          <a:off x="430272" y="2098633"/>
+          <a:ext cx="782314" cy="782314"/>
         </a:xfrm>
         <a:prstGeom prst="rect">
           <a:avLst/>
@@ -11433,8 +11390,8 @@
       </dsp:nvSpPr>
       <dsp:spPr>
         <a:xfrm>
-          <a:off x="1641256" y="1779289"/>
-          <a:ext cx="2982961" cy="1421001"/>
+          <a:off x="1642860" y="1778595"/>
+          <a:ext cx="2982961" cy="1422390"/>
         </a:xfrm>
         <a:prstGeom prst="rect">
           <a:avLst/>
@@ -11458,7 +11415,7 @@
         <a:fontRef idx="minor"/>
       </dsp:style>
       <dsp:txBody>
-        <a:bodyPr spcFirstLastPara="0" vert="horz" wrap="square" lIns="150389" tIns="150389" rIns="150389" bIns="150389" numCol="1" spcCol="1270" anchor="ctr" anchorCtr="0">
+        <a:bodyPr spcFirstLastPara="0" vert="horz" wrap="square" lIns="150536" tIns="150536" rIns="150536" bIns="150536" numCol="1" spcCol="1270" anchor="ctr" anchorCtr="0">
           <a:noAutofit/>
         </a:bodyPr>
         <a:lstStyle/>
@@ -11482,8 +11439,8 @@
         </a:p>
       </dsp:txBody>
       <dsp:txXfrm>
-        <a:off x="1641256" y="1779289"/>
-        <a:ext cx="2982961" cy="1421001"/>
+        <a:off x="1642860" y="1778595"/>
+        <a:ext cx="2982961" cy="1422390"/>
       </dsp:txXfrm>
     </dsp:sp>
     <dsp:sp modelId="{2E43D20B-99EF-4C85-B879-7A49C10718C9}">
@@ -11493,8 +11450,8 @@
       </dsp:nvSpPr>
       <dsp:spPr>
         <a:xfrm>
-          <a:off x="4624217" y="1779289"/>
-          <a:ext cx="2002981" cy="1421001"/>
+          <a:off x="4625822" y="1778595"/>
+          <a:ext cx="2002981" cy="1422390"/>
         </a:xfrm>
         <a:prstGeom prst="rect">
           <a:avLst/>
@@ -11518,12 +11475,12 @@
         <a:fontRef idx="minor"/>
       </dsp:style>
       <dsp:txBody>
-        <a:bodyPr spcFirstLastPara="0" vert="horz" wrap="square" lIns="150389" tIns="150389" rIns="150389" bIns="150389" numCol="1" spcCol="1270" anchor="ctr" anchorCtr="0">
+        <a:bodyPr spcFirstLastPara="0" vert="horz" wrap="square" lIns="150536" tIns="150536" rIns="150536" bIns="150536" numCol="1" spcCol="1270" anchor="ctr" anchorCtr="0">
           <a:noAutofit/>
         </a:bodyPr>
         <a:lstStyle/>
         <a:p>
-          <a:pPr marL="0" lvl="0" indent="0" algn="l" defTabSz="488950">
+          <a:pPr marL="0" lvl="0" indent="0" algn="l" defTabSz="622300">
             <a:lnSpc>
               <a:spcPct val="100000"/>
             </a:lnSpc>
@@ -11536,12 +11493,12 @@
             <a:buNone/>
           </a:pPr>
           <a:r>
-            <a:rPr lang="en-US" sz="1100" kern="1200"/>
+            <a:rPr lang="en-US" sz="1400" kern="1200"/>
             <a:t>Rounding values for consistency.</a:t>
           </a:r>
         </a:p>
         <a:p>
-          <a:pPr marL="0" lvl="0" indent="0" algn="l" defTabSz="488950">
+          <a:pPr marL="0" lvl="0" indent="0" algn="l" defTabSz="622300">
             <a:lnSpc>
               <a:spcPct val="100000"/>
             </a:lnSpc>
@@ -11554,32 +11511,14 @@
             <a:buNone/>
           </a:pPr>
           <a:r>
-            <a:rPr lang="en-US" sz="1100" kern="1200"/>
+            <a:rPr lang="en-US" sz="1400" kern="1200" dirty="0"/>
             <a:t>Splitting blood pressure into Systolic &amp; Diastolic.</a:t>
-          </a:r>
-        </a:p>
-        <a:p>
-          <a:pPr marL="0" lvl="0" indent="0" algn="l" defTabSz="488950">
-            <a:lnSpc>
-              <a:spcPct val="100000"/>
-            </a:lnSpc>
-            <a:spcBef>
-              <a:spcPct val="0"/>
-            </a:spcBef>
-            <a:spcAft>
-              <a:spcPct val="35000"/>
-            </a:spcAft>
-            <a:buNone/>
-          </a:pPr>
-          <a:r>
-            <a:rPr lang="en-US" sz="1100" kern="1200"/>
-            <a:t>Encoding categorical features (Sex, Diet, Country, Continent, Hemisphere).</a:t>
           </a:r>
         </a:p>
       </dsp:txBody>
       <dsp:txXfrm>
-        <a:off x="4624217" y="1779289"/>
-        <a:ext cx="2002981" cy="1421001"/>
+        <a:off x="4625822" y="1778595"/>
+        <a:ext cx="2002981" cy="1422390"/>
       </dsp:txXfrm>
     </dsp:sp>
     <dsp:sp modelId="{3956795B-11F5-4E6B-9F00-B946A98937D0}">
@@ -11589,8 +11528,8 @@
       </dsp:nvSpPr>
       <dsp:spPr>
         <a:xfrm>
-          <a:off x="0" y="3555541"/>
-          <a:ext cx="6628804" cy="1421001"/>
+          <a:off x="0" y="3556583"/>
+          <a:ext cx="6628804" cy="1422390"/>
         </a:xfrm>
         <a:prstGeom prst="roundRect">
           <a:avLst>
@@ -11631,8 +11570,8 @@
       </dsp:nvSpPr>
       <dsp:spPr>
         <a:xfrm>
-          <a:off x="429852" y="3875266"/>
-          <a:ext cx="781550" cy="781550"/>
+          <a:off x="430272" y="3876620"/>
+          <a:ext cx="782314" cy="782314"/>
         </a:xfrm>
         <a:prstGeom prst="rect">
           <a:avLst/>
@@ -11680,8 +11619,8 @@
       </dsp:nvSpPr>
       <dsp:spPr>
         <a:xfrm>
-          <a:off x="1641256" y="3555541"/>
-          <a:ext cx="4985943" cy="1421001"/>
+          <a:off x="1642860" y="3556583"/>
+          <a:ext cx="4985943" cy="1422390"/>
         </a:xfrm>
         <a:prstGeom prst="rect">
           <a:avLst/>
@@ -11705,7 +11644,7 @@
         <a:fontRef idx="minor"/>
       </dsp:style>
       <dsp:txBody>
-        <a:bodyPr spcFirstLastPara="0" vert="horz" wrap="square" lIns="150389" tIns="150389" rIns="150389" bIns="150389" numCol="1" spcCol="1270" anchor="ctr" anchorCtr="0">
+        <a:bodyPr spcFirstLastPara="0" vert="horz" wrap="square" lIns="150536" tIns="150536" rIns="150536" bIns="150536" numCol="1" spcCol="1270" anchor="ctr" anchorCtr="0">
           <a:noAutofit/>
         </a:bodyPr>
         <a:lstStyle/>
@@ -11729,8 +11668,8 @@
         </a:p>
       </dsp:txBody>
       <dsp:txXfrm>
-        <a:off x="1641256" y="3555541"/>
-        <a:ext cx="4985943" cy="1421001"/>
+        <a:off x="1642860" y="3556583"/>
+        <a:ext cx="4985943" cy="1422390"/>
       </dsp:txXfrm>
     </dsp:sp>
   </dsp:spTree>
@@ -25484,7 +25423,7 @@
           <a:p>
             <a:fld id="{3D11A467-A17E-4033-8801-ED5FC433AB34}" type="datetimeFigureOut">
               <a:rPr lang="en-US" smtClean="0"/>
-              <a:t>4/22/2025</a:t>
+              <a:t>4/25/25</a:t>
             </a:fld>
             <a:endParaRPr lang="en-US"/>
           </a:p>
@@ -26473,7 +26412,7 @@
           <a:p>
             <a:fld id="{1E351CED-465B-40B5-ADCE-957C918F227B}" type="datetimeFigureOut">
               <a:rPr lang="en-US" smtClean="0"/>
-              <a:t>4/22/2025</a:t>
+              <a:t>4/25/25</a:t>
             </a:fld>
             <a:endParaRPr lang="en-US"/>
           </a:p>
@@ -26724,7 +26663,7 @@
           <a:p>
             <a:fld id="{1E351CED-465B-40B5-ADCE-957C918F227B}" type="datetimeFigureOut">
               <a:rPr lang="en-US" smtClean="0"/>
-              <a:t>4/22/2025</a:t>
+              <a:t>4/25/25</a:t>
             </a:fld>
             <a:endParaRPr lang="en-US"/>
           </a:p>
@@ -27038,7 +26977,7 @@
           <a:p>
             <a:fld id="{1E351CED-465B-40B5-ADCE-957C918F227B}" type="datetimeFigureOut">
               <a:rPr lang="en-US" smtClean="0"/>
-              <a:t>4/22/2025</a:t>
+              <a:t>4/25/25</a:t>
             </a:fld>
             <a:endParaRPr lang="en-US"/>
           </a:p>
@@ -27379,7 +27318,7 @@
           <a:p>
             <a:fld id="{1E351CED-465B-40B5-ADCE-957C918F227B}" type="datetimeFigureOut">
               <a:rPr lang="en-US" smtClean="0"/>
-              <a:t>4/22/2025</a:t>
+              <a:t>4/25/25</a:t>
             </a:fld>
             <a:endParaRPr lang="en-US"/>
           </a:p>
@@ -27693,7 +27632,7 @@
           <a:p>
             <a:fld id="{1E351CED-465B-40B5-ADCE-957C918F227B}" type="datetimeFigureOut">
               <a:rPr lang="en-US" smtClean="0"/>
-              <a:t>4/22/2025</a:t>
+              <a:t>4/25/25</a:t>
             </a:fld>
             <a:endParaRPr lang="en-US"/>
           </a:p>
@@ -28086,7 +28025,7 @@
           <a:p>
             <a:fld id="{1E351CED-465B-40B5-ADCE-957C918F227B}" type="datetimeFigureOut">
               <a:rPr lang="en-US" smtClean="0"/>
-              <a:t>4/22/2025</a:t>
+              <a:t>4/25/25</a:t>
             </a:fld>
             <a:endParaRPr lang="en-US"/>
           </a:p>
@@ -28256,7 +28195,7 @@
           <a:p>
             <a:fld id="{1E351CED-465B-40B5-ADCE-957C918F227B}" type="datetimeFigureOut">
               <a:rPr lang="en-US" smtClean="0"/>
-              <a:t>4/22/2025</a:t>
+              <a:t>4/25/25</a:t>
             </a:fld>
             <a:endParaRPr lang="en-US"/>
           </a:p>
@@ -28436,7 +28375,7 @@
           <a:p>
             <a:fld id="{1E351CED-465B-40B5-ADCE-957C918F227B}" type="datetimeFigureOut">
               <a:rPr lang="en-US" smtClean="0"/>
-              <a:t>4/22/2025</a:t>
+              <a:t>4/25/25</a:t>
             </a:fld>
             <a:endParaRPr lang="en-US"/>
           </a:p>
@@ -28612,7 +28551,7 @@
           <a:p>
             <a:fld id="{1E351CED-465B-40B5-ADCE-957C918F227B}" type="datetimeFigureOut">
               <a:rPr lang="en-US" smtClean="0"/>
-              <a:t>4/22/2025</a:t>
+              <a:t>4/25/25</a:t>
             </a:fld>
             <a:endParaRPr lang="en-US"/>
           </a:p>
@@ -28859,7 +28798,7 @@
           <a:p>
             <a:fld id="{1E351CED-465B-40B5-ADCE-957C918F227B}" type="datetimeFigureOut">
               <a:rPr lang="en-US" smtClean="0"/>
-              <a:t>4/22/2025</a:t>
+              <a:t>4/25/25</a:t>
             </a:fld>
             <a:endParaRPr lang="en-US"/>
           </a:p>
@@ -29091,7 +29030,7 @@
           <a:p>
             <a:fld id="{1E351CED-465B-40B5-ADCE-957C918F227B}" type="datetimeFigureOut">
               <a:rPr lang="en-US" smtClean="0"/>
-              <a:t>4/22/2025</a:t>
+              <a:t>4/25/25</a:t>
             </a:fld>
             <a:endParaRPr lang="en-US"/>
           </a:p>
@@ -29465,7 +29404,7 @@
           <a:p>
             <a:fld id="{1E351CED-465B-40B5-ADCE-957C918F227B}" type="datetimeFigureOut">
               <a:rPr lang="en-US" smtClean="0"/>
-              <a:t>4/22/2025</a:t>
+              <a:t>4/25/25</a:t>
             </a:fld>
             <a:endParaRPr lang="en-US"/>
           </a:p>
@@ -29588,7 +29527,7 @@
           <a:p>
             <a:fld id="{1E351CED-465B-40B5-ADCE-957C918F227B}" type="datetimeFigureOut">
               <a:rPr lang="en-US" smtClean="0"/>
-              <a:t>4/22/2025</a:t>
+              <a:t>4/25/25</a:t>
             </a:fld>
             <a:endParaRPr lang="en-US"/>
           </a:p>
@@ -29683,7 +29622,7 @@
           <a:p>
             <a:fld id="{1E351CED-465B-40B5-ADCE-957C918F227B}" type="datetimeFigureOut">
               <a:rPr lang="en-US" smtClean="0"/>
-              <a:t>4/22/2025</a:t>
+              <a:t>4/25/25</a:t>
             </a:fld>
             <a:endParaRPr lang="en-US"/>
           </a:p>
@@ -29938,7 +29877,7 @@
           <a:p>
             <a:fld id="{1E351CED-465B-40B5-ADCE-957C918F227B}" type="datetimeFigureOut">
               <a:rPr lang="en-US" smtClean="0"/>
-              <a:t>4/22/2025</a:t>
+              <a:t>4/25/25</a:t>
             </a:fld>
             <a:endParaRPr lang="en-US"/>
           </a:p>
@@ -30201,7 +30140,7 @@
           <a:p>
             <a:fld id="{1E351CED-465B-40B5-ADCE-957C918F227B}" type="datetimeFigureOut">
               <a:rPr lang="en-US" smtClean="0"/>
-              <a:t>4/22/2025</a:t>
+              <a:t>4/25/25</a:t>
             </a:fld>
             <a:endParaRPr lang="en-US"/>
           </a:p>
@@ -30944,7 +30883,7 @@
           <a:p>
             <a:fld id="{1E351CED-465B-40B5-ADCE-957C918F227B}" type="datetimeFigureOut">
               <a:rPr lang="en-US" smtClean="0"/>
-              <a:t>4/22/2025</a:t>
+              <a:t>4/25/25</a:t>
             </a:fld>
             <a:endParaRPr lang="en-US"/>
           </a:p>
@@ -32694,6 +32633,12 @@
             <a:r>
               <a:rPr lang="en-US" dirty="0"/>
               <a:t>Dummy feature creation: Converted categorical variables into numeric format.</a:t>
+            </a:r>
+          </a:p>
+          <a:p>
+            <a:r>
+              <a:rPr lang="en-US" dirty="0"/>
+              <a:t>Encoding categorical features (Sex, Diet, Country, Continent, Hemisphere).</a:t>
             </a:r>
           </a:p>
           <a:p>
@@ -42873,7 +42818,7 @@
             <p:ph idx="1"/>
             <p:extLst>
               <p:ext uri="{D42A27DB-BD31-4B8C-83A1-F6EECF244321}">
-                <p14:modId xmlns:p14="http://schemas.microsoft.com/office/powerpoint/2010/main" val="622909880"/>
+                <p14:modId xmlns:p14="http://schemas.microsoft.com/office/powerpoint/2010/main" val="4221942537"/>
               </p:ext>
             </p:extLst>
           </p:nvPr>
